--- a/figures/resources/data_types.pptx
+++ b/figures/resources/data_types.pptx
@@ -5,10 +5,13 @@
     <p:sldMasterId id="2147483648" r:id="rId1"/>
   </p:sldMasterIdLst>
   <p:notesMasterIdLst>
-    <p:notesMasterId r:id="rId3"/>
+    <p:notesMasterId r:id="rId6"/>
   </p:notesMasterIdLst>
   <p:sldIdLst>
     <p:sldId id="262" r:id="rId2"/>
+    <p:sldId id="263" r:id="rId3"/>
+    <p:sldId id="264" r:id="rId4"/>
+    <p:sldId id="265" r:id="rId5"/>
   </p:sldIdLst>
   <p:sldSz cx="12192000" cy="6858000"/>
   <p:notesSz cx="6858000" cy="9144000"/>
@@ -197,7 +200,7 @@
           <a:p>
             <a:fld id="{922FCDE8-9265-274C-B63C-E407950C8DE1}" type="datetimeFigureOut">
               <a:rPr lang="de-DE" smtClean="0"/>
-              <a:t>20.01.21</a:t>
+              <a:t>22.01.21</a:t>
             </a:fld>
             <a:endParaRPr lang="de-DE"/>
           </a:p>
@@ -574,6 +577,115 @@
 </p:notes>
 </file>
 
+<file path=ppt/notesSlides/notesSlide2.xml><?xml version="1.0" encoding="utf-8"?>
+<p:notes xmlns:a="http://schemas.openxmlformats.org/drawingml/2006/main" xmlns:r="http://schemas.openxmlformats.org/officeDocument/2006/relationships" xmlns:p="http://schemas.openxmlformats.org/presentationml/2006/main" showMasterSp="0" showMasterPhAnim="0">
+  <p:cSld>
+    <p:spTree>
+      <p:nvGrpSpPr>
+        <p:cNvPr id="1" name="Shape 133"/>
+        <p:cNvGrpSpPr/>
+        <p:nvPr/>
+      </p:nvGrpSpPr>
+      <p:grpSpPr>
+        <a:xfrm>
+          <a:off x="0" y="0"/>
+          <a:ext cx="0" cy="0"/>
+          <a:chOff x="0" y="0"/>
+          <a:chExt cx="0" cy="0"/>
+        </a:xfrm>
+      </p:grpSpPr>
+      <p:sp>
+        <p:nvSpPr>
+          <p:cNvPr id="134" name="Google Shape;134;p8:notes"/>
+          <p:cNvSpPr txBox="1">
+            <a:spLocks noGrp="1"/>
+          </p:cNvSpPr>
+          <p:nvPr>
+            <p:ph type="body" idx="1"/>
+          </p:nvPr>
+        </p:nvSpPr>
+        <p:spPr>
+          <a:xfrm>
+            <a:off x="914400" y="4343400"/>
+            <a:ext cx="5029200" cy="4114800"/>
+          </a:xfrm>
+          <a:prstGeom prst="rect">
+            <a:avLst/>
+          </a:prstGeom>
+        </p:spPr>
+        <p:txBody>
+          <a:bodyPr spcFirstLastPara="1" wrap="square" lIns="91425" tIns="45700" rIns="91425" bIns="45700" anchor="t" anchorCtr="0">
+            <a:noAutofit/>
+          </a:bodyPr>
+          <a:lstStyle/>
+          <a:p>
+            <a:pPr marL="0" lvl="0" indent="0" algn="l" rtl="0">
+              <a:spcBef>
+                <a:spcPts val="0"/>
+              </a:spcBef>
+              <a:spcAft>
+                <a:spcPts val="0"/>
+              </a:spcAft>
+              <a:buNone/>
+            </a:pPr>
+            <a:endParaRPr/>
+          </a:p>
+        </p:txBody>
+      </p:sp>
+      <p:sp>
+        <p:nvSpPr>
+          <p:cNvPr id="135" name="Google Shape;135;p8:notes"/>
+          <p:cNvSpPr>
+            <a:spLocks noGrp="1" noRot="1" noChangeAspect="1"/>
+          </p:cNvSpPr>
+          <p:nvPr>
+            <p:ph type="sldImg" idx="2"/>
+          </p:nvPr>
+        </p:nvSpPr>
+        <p:spPr>
+          <a:xfrm>
+            <a:off x="381000" y="685800"/>
+            <a:ext cx="6096000" cy="3429000"/>
+          </a:xfrm>
+          <a:custGeom>
+            <a:avLst/>
+            <a:gdLst/>
+            <a:ahLst/>
+            <a:cxnLst/>
+            <a:rect l="l" t="t" r="r" b="b"/>
+            <a:pathLst>
+              <a:path w="120000" h="120000" extrusionOk="0">
+                <a:moveTo>
+                  <a:pt x="0" y="0"/>
+                </a:moveTo>
+                <a:lnTo>
+                  <a:pt x="120000" y="0"/>
+                </a:lnTo>
+                <a:lnTo>
+                  <a:pt x="120000" y="120000"/>
+                </a:lnTo>
+                <a:lnTo>
+                  <a:pt x="0" y="120000"/>
+                </a:lnTo>
+                <a:close/>
+              </a:path>
+            </a:pathLst>
+          </a:custGeom>
+        </p:spPr>
+      </p:sp>
+    </p:spTree>
+    <p:extLst>
+      <p:ext uri="{BB962C8B-B14F-4D97-AF65-F5344CB8AC3E}">
+        <p14:creationId xmlns:p14="http://schemas.microsoft.com/office/powerpoint/2010/main" val="1804148972"/>
+      </p:ext>
+    </p:extLst>
+  </p:cSld>
+  <p:clrMapOvr>
+    <a:masterClrMapping/>
+  </p:clrMapOvr>
+</p:notes>
+</file>
+
 <file path=ppt/slideLayouts/slideLayout1.xml><?xml version="1.0" encoding="utf-8"?>
 <p:sldLayout xmlns:a="http://schemas.openxmlformats.org/drawingml/2006/main" xmlns:r="http://schemas.openxmlformats.org/officeDocument/2006/relationships" xmlns:p="http://schemas.openxmlformats.org/presentationml/2006/main" type="title" preserve="1">
   <p:cSld name="Title Slide">
@@ -723,7 +835,7 @@
           <a:p>
             <a:fld id="{747B7DA0-53A4-8447-B8D4-5B08E7A75C15}" type="datetimeFigureOut">
               <a:rPr lang="de-DE" smtClean="0"/>
-              <a:t>20.01.21</a:t>
+              <a:t>22.01.21</a:t>
             </a:fld>
             <a:endParaRPr lang="de-DE"/>
           </a:p>
@@ -923,7 +1035,7 @@
           <a:p>
             <a:fld id="{747B7DA0-53A4-8447-B8D4-5B08E7A75C15}" type="datetimeFigureOut">
               <a:rPr lang="de-DE" smtClean="0"/>
-              <a:t>20.01.21</a:t>
+              <a:t>22.01.21</a:t>
             </a:fld>
             <a:endParaRPr lang="de-DE"/>
           </a:p>
@@ -1133,7 +1245,7 @@
           <a:p>
             <a:fld id="{747B7DA0-53A4-8447-B8D4-5B08E7A75C15}" type="datetimeFigureOut">
               <a:rPr lang="de-DE" smtClean="0"/>
-              <a:t>20.01.21</a:t>
+              <a:t>22.01.21</a:t>
             </a:fld>
             <a:endParaRPr lang="de-DE"/>
           </a:p>
@@ -1943,7 +2055,7 @@
           <a:p>
             <a:fld id="{747B7DA0-53A4-8447-B8D4-5B08E7A75C15}" type="datetimeFigureOut">
               <a:rPr lang="de-DE" smtClean="0"/>
-              <a:t>20.01.21</a:t>
+              <a:t>22.01.21</a:t>
             </a:fld>
             <a:endParaRPr lang="de-DE"/>
           </a:p>
@@ -2219,7 +2331,7 @@
           <a:p>
             <a:fld id="{747B7DA0-53A4-8447-B8D4-5B08E7A75C15}" type="datetimeFigureOut">
               <a:rPr lang="de-DE" smtClean="0"/>
-              <a:t>20.01.21</a:t>
+              <a:t>22.01.21</a:t>
             </a:fld>
             <a:endParaRPr lang="de-DE"/>
           </a:p>
@@ -2487,7 +2599,7 @@
           <a:p>
             <a:fld id="{747B7DA0-53A4-8447-B8D4-5B08E7A75C15}" type="datetimeFigureOut">
               <a:rPr lang="de-DE" smtClean="0"/>
-              <a:t>20.01.21</a:t>
+              <a:t>22.01.21</a:t>
             </a:fld>
             <a:endParaRPr lang="de-DE"/>
           </a:p>
@@ -2902,7 +3014,7 @@
           <a:p>
             <a:fld id="{747B7DA0-53A4-8447-B8D4-5B08E7A75C15}" type="datetimeFigureOut">
               <a:rPr lang="de-DE" smtClean="0"/>
-              <a:t>20.01.21</a:t>
+              <a:t>22.01.21</a:t>
             </a:fld>
             <a:endParaRPr lang="de-DE"/>
           </a:p>
@@ -3044,7 +3156,7 @@
           <a:p>
             <a:fld id="{747B7DA0-53A4-8447-B8D4-5B08E7A75C15}" type="datetimeFigureOut">
               <a:rPr lang="de-DE" smtClean="0"/>
-              <a:t>20.01.21</a:t>
+              <a:t>22.01.21</a:t>
             </a:fld>
             <a:endParaRPr lang="de-DE"/>
           </a:p>
@@ -3157,7 +3269,7 @@
           <a:p>
             <a:fld id="{747B7DA0-53A4-8447-B8D4-5B08E7A75C15}" type="datetimeFigureOut">
               <a:rPr lang="de-DE" smtClean="0"/>
-              <a:t>20.01.21</a:t>
+              <a:t>22.01.21</a:t>
             </a:fld>
             <a:endParaRPr lang="de-DE"/>
           </a:p>
@@ -3470,7 +3582,7 @@
           <a:p>
             <a:fld id="{747B7DA0-53A4-8447-B8D4-5B08E7A75C15}" type="datetimeFigureOut">
               <a:rPr lang="de-DE" smtClean="0"/>
-              <a:t>20.01.21</a:t>
+              <a:t>22.01.21</a:t>
             </a:fld>
             <a:endParaRPr lang="de-DE"/>
           </a:p>
@@ -3759,7 +3871,7 @@
           <a:p>
             <a:fld id="{747B7DA0-53A4-8447-B8D4-5B08E7A75C15}" type="datetimeFigureOut">
               <a:rPr lang="de-DE" smtClean="0"/>
-              <a:t>20.01.21</a:t>
+              <a:t>22.01.21</a:t>
             </a:fld>
             <a:endParaRPr lang="de-DE"/>
           </a:p>
@@ -4002,7 +4114,7 @@
           <a:p>
             <a:fld id="{747B7DA0-53A4-8447-B8D4-5B08E7A75C15}" type="datetimeFigureOut">
               <a:rPr lang="de-DE" smtClean="0"/>
-              <a:t>20.01.21</a:t>
+              <a:t>22.01.21</a:t>
             </a:fld>
             <a:endParaRPr lang="de-DE"/>
           </a:p>
@@ -4460,12 +4572,684 @@
           </a:p>
         </p:txBody>
       </p:sp>
+      <p:sp>
+        <p:nvSpPr>
+          <p:cNvPr id="2" name="TextBox 1">
+            <a:extLst>
+              <a:ext uri="{FF2B5EF4-FFF2-40B4-BE49-F238E27FC236}">
+                <a16:creationId xmlns:a16="http://schemas.microsoft.com/office/drawing/2014/main" id="{1EA846E5-3D55-F441-907F-420B2B28B907}"/>
+              </a:ext>
+            </a:extLst>
+          </p:cNvPr>
+          <p:cNvSpPr txBox="1"/>
+          <p:nvPr/>
+        </p:nvSpPr>
+        <p:spPr>
+          <a:xfrm>
+            <a:off x="2460900" y="1197430"/>
+            <a:ext cx="9001758" cy="5909310"/>
+          </a:xfrm>
+          <a:prstGeom prst="rect">
+            <a:avLst/>
+          </a:prstGeom>
+          <a:noFill/>
+        </p:spPr>
+        <p:txBody>
+          <a:bodyPr wrap="square" rtlCol="0">
+            <a:spAutoFit/>
+          </a:bodyPr>
+          <a:lstStyle/>
+          <a:p>
+            <a:r>
+              <a:rPr lang="de-DE" b="1" dirty="0">
+                <a:latin typeface="Courier New" panose="02070309020205020404" pitchFamily="49" charset="0"/>
+                <a:cs typeface="Courier New" panose="02070309020205020404" pitchFamily="49" charset="0"/>
+              </a:rPr>
+              <a:t>8-bit </a:t>
+            </a:r>
+            <a:r>
+              <a:rPr lang="de-DE" b="1" dirty="0" err="1">
+                <a:latin typeface="Courier New" panose="02070309020205020404" pitchFamily="49" charset="0"/>
+                <a:cs typeface="Courier New" panose="02070309020205020404" pitchFamily="49" charset="0"/>
+              </a:rPr>
+              <a:t>unsigned</a:t>
+            </a:r>
+            <a:r>
+              <a:rPr lang="de-DE" b="1" dirty="0">
+                <a:latin typeface="Courier New" panose="02070309020205020404" pitchFamily="49" charset="0"/>
+                <a:cs typeface="Courier New" panose="02070309020205020404" pitchFamily="49" charset="0"/>
+              </a:rPr>
+              <a:t> integer</a:t>
+            </a:r>
+          </a:p>
+          <a:p>
+            <a:r>
+              <a:rPr lang="de-DE" dirty="0">
+                <a:latin typeface="Courier New" panose="02070309020205020404" pitchFamily="49" charset="0"/>
+                <a:cs typeface="Courier New" panose="02070309020205020404" pitchFamily="49" charset="0"/>
+              </a:rPr>
+              <a:t>00000000 = 0</a:t>
+            </a:r>
+          </a:p>
+          <a:p>
+            <a:r>
+              <a:rPr lang="de-DE" dirty="0">
+                <a:latin typeface="Courier New" panose="02070309020205020404" pitchFamily="49" charset="0"/>
+                <a:cs typeface="Courier New" panose="02070309020205020404" pitchFamily="49" charset="0"/>
+              </a:rPr>
+              <a:t>00000001 = 2</a:t>
+            </a:r>
+            <a:r>
+              <a:rPr lang="de-DE" baseline="30000" dirty="0">
+                <a:latin typeface="Courier New" panose="02070309020205020404" pitchFamily="49" charset="0"/>
+                <a:cs typeface="Courier New" panose="02070309020205020404" pitchFamily="49" charset="0"/>
+              </a:rPr>
+              <a:t>0</a:t>
+            </a:r>
+            <a:r>
+              <a:rPr lang="de-DE" dirty="0">
+                <a:latin typeface="Courier New" panose="02070309020205020404" pitchFamily="49" charset="0"/>
+                <a:cs typeface="Courier New" panose="02070309020205020404" pitchFamily="49" charset="0"/>
+              </a:rPr>
+              <a:t> = 1</a:t>
+            </a:r>
+          </a:p>
+          <a:p>
+            <a:r>
+              <a:rPr lang="de-DE" dirty="0">
+                <a:latin typeface="Courier New" panose="02070309020205020404" pitchFamily="49" charset="0"/>
+                <a:cs typeface="Courier New" panose="02070309020205020404" pitchFamily="49" charset="0"/>
+              </a:rPr>
+              <a:t>00000101 = 2</a:t>
+            </a:r>
+            <a:r>
+              <a:rPr lang="de-DE" baseline="30000" dirty="0">
+                <a:latin typeface="Courier New" panose="02070309020205020404" pitchFamily="49" charset="0"/>
+                <a:cs typeface="Courier New" panose="02070309020205020404" pitchFamily="49" charset="0"/>
+              </a:rPr>
+              <a:t>0 </a:t>
+            </a:r>
+            <a:r>
+              <a:rPr lang="de-DE" dirty="0">
+                <a:latin typeface="Courier New" panose="02070309020205020404" pitchFamily="49" charset="0"/>
+                <a:cs typeface="Courier New" panose="02070309020205020404" pitchFamily="49" charset="0"/>
+              </a:rPr>
+              <a:t>+ 2</a:t>
+            </a:r>
+            <a:r>
+              <a:rPr lang="de-DE" baseline="30000" dirty="0">
+                <a:latin typeface="Courier New" panose="02070309020205020404" pitchFamily="49" charset="0"/>
+                <a:cs typeface="Courier New" panose="02070309020205020404" pitchFamily="49" charset="0"/>
+              </a:rPr>
+              <a:t>2</a:t>
+            </a:r>
+            <a:r>
+              <a:rPr lang="de-DE" dirty="0">
+                <a:latin typeface="Courier New" panose="02070309020205020404" pitchFamily="49" charset="0"/>
+                <a:cs typeface="Courier New" panose="02070309020205020404" pitchFamily="49" charset="0"/>
+              </a:rPr>
+              <a:t> = 5</a:t>
+            </a:r>
+          </a:p>
+          <a:p>
+            <a:r>
+              <a:rPr lang="de-DE" dirty="0">
+                <a:latin typeface="Courier New" panose="02070309020205020404" pitchFamily="49" charset="0"/>
+                <a:cs typeface="Courier New" panose="02070309020205020404" pitchFamily="49" charset="0"/>
+              </a:rPr>
+              <a:t>11111111 = 2</a:t>
+            </a:r>
+            <a:r>
+              <a:rPr lang="de-DE" baseline="30000" dirty="0">
+                <a:latin typeface="Courier New" panose="02070309020205020404" pitchFamily="49" charset="0"/>
+                <a:cs typeface="Courier New" panose="02070309020205020404" pitchFamily="49" charset="0"/>
+              </a:rPr>
+              <a:t>0 </a:t>
+            </a:r>
+            <a:r>
+              <a:rPr lang="de-DE" dirty="0">
+                <a:latin typeface="Courier New" panose="02070309020205020404" pitchFamily="49" charset="0"/>
+                <a:cs typeface="Courier New" panose="02070309020205020404" pitchFamily="49" charset="0"/>
+              </a:rPr>
+              <a:t>+ 2</a:t>
+            </a:r>
+            <a:r>
+              <a:rPr lang="de-DE" baseline="30000" dirty="0">
+                <a:latin typeface="Courier New" panose="02070309020205020404" pitchFamily="49" charset="0"/>
+                <a:cs typeface="Courier New" panose="02070309020205020404" pitchFamily="49" charset="0"/>
+              </a:rPr>
+              <a:t>1</a:t>
+            </a:r>
+            <a:r>
+              <a:rPr lang="de-DE" dirty="0">
+                <a:latin typeface="Courier New" panose="02070309020205020404" pitchFamily="49" charset="0"/>
+                <a:cs typeface="Courier New" panose="02070309020205020404" pitchFamily="49" charset="0"/>
+              </a:rPr>
+              <a:t> + … + 2</a:t>
+            </a:r>
+            <a:r>
+              <a:rPr lang="de-DE" baseline="30000" dirty="0">
+                <a:latin typeface="Courier New" panose="02070309020205020404" pitchFamily="49" charset="0"/>
+                <a:cs typeface="Courier New" panose="02070309020205020404" pitchFamily="49" charset="0"/>
+              </a:rPr>
+              <a:t>7</a:t>
+            </a:r>
+            <a:r>
+              <a:rPr lang="de-DE" dirty="0">
+                <a:latin typeface="Courier New" panose="02070309020205020404" pitchFamily="49" charset="0"/>
+                <a:cs typeface="Courier New" panose="02070309020205020404" pitchFamily="49" charset="0"/>
+              </a:rPr>
+              <a:t> = 255 </a:t>
+            </a:r>
+          </a:p>
+          <a:p>
+            <a:endParaRPr lang="de-DE" dirty="0">
+              <a:latin typeface="Courier New" panose="02070309020205020404" pitchFamily="49" charset="0"/>
+              <a:cs typeface="Courier New" panose="02070309020205020404" pitchFamily="49" charset="0"/>
+            </a:endParaRPr>
+          </a:p>
+          <a:p>
+            <a:r>
+              <a:rPr lang="de-DE" b="1" dirty="0">
+                <a:latin typeface="Courier New" panose="02070309020205020404" pitchFamily="49" charset="0"/>
+                <a:cs typeface="Courier New" panose="02070309020205020404" pitchFamily="49" charset="0"/>
+              </a:rPr>
+              <a:t>16-bit </a:t>
+            </a:r>
+            <a:r>
+              <a:rPr lang="de-DE" b="1" dirty="0" err="1">
+                <a:latin typeface="Courier New" panose="02070309020205020404" pitchFamily="49" charset="0"/>
+                <a:cs typeface="Courier New" panose="02070309020205020404" pitchFamily="49" charset="0"/>
+              </a:rPr>
+              <a:t>unsigned</a:t>
+            </a:r>
+            <a:r>
+              <a:rPr lang="de-DE" b="1" dirty="0">
+                <a:latin typeface="Courier New" panose="02070309020205020404" pitchFamily="49" charset="0"/>
+                <a:cs typeface="Courier New" panose="02070309020205020404" pitchFamily="49" charset="0"/>
+              </a:rPr>
+              <a:t> integer</a:t>
+            </a:r>
+          </a:p>
+          <a:p>
+            <a:r>
+              <a:rPr lang="de-DE" dirty="0">
+                <a:latin typeface="Courier New" panose="02070309020205020404" pitchFamily="49" charset="0"/>
+                <a:cs typeface="Courier New" panose="02070309020205020404" pitchFamily="49" charset="0"/>
+              </a:rPr>
+              <a:t>1111111111111111 = 2</a:t>
+            </a:r>
+            <a:r>
+              <a:rPr lang="de-DE" baseline="30000" dirty="0">
+                <a:latin typeface="Courier New" panose="02070309020205020404" pitchFamily="49" charset="0"/>
+                <a:cs typeface="Courier New" panose="02070309020205020404" pitchFamily="49" charset="0"/>
+              </a:rPr>
+              <a:t>0 </a:t>
+            </a:r>
+            <a:r>
+              <a:rPr lang="de-DE" dirty="0">
+                <a:latin typeface="Courier New" panose="02070309020205020404" pitchFamily="49" charset="0"/>
+                <a:cs typeface="Courier New" panose="02070309020205020404" pitchFamily="49" charset="0"/>
+              </a:rPr>
+              <a:t>+ 2</a:t>
+            </a:r>
+            <a:r>
+              <a:rPr lang="de-DE" baseline="30000" dirty="0">
+                <a:latin typeface="Courier New" panose="02070309020205020404" pitchFamily="49" charset="0"/>
+                <a:cs typeface="Courier New" panose="02070309020205020404" pitchFamily="49" charset="0"/>
+              </a:rPr>
+              <a:t>1</a:t>
+            </a:r>
+            <a:r>
+              <a:rPr lang="de-DE" dirty="0">
+                <a:latin typeface="Courier New" panose="02070309020205020404" pitchFamily="49" charset="0"/>
+                <a:cs typeface="Courier New" panose="02070309020205020404" pitchFamily="49" charset="0"/>
+              </a:rPr>
+              <a:t> + … + 2</a:t>
+            </a:r>
+            <a:r>
+              <a:rPr lang="de-DE" baseline="30000" dirty="0">
+                <a:latin typeface="Courier New" panose="02070309020205020404" pitchFamily="49" charset="0"/>
+                <a:cs typeface="Courier New" panose="02070309020205020404" pitchFamily="49" charset="0"/>
+              </a:rPr>
+              <a:t>15</a:t>
+            </a:r>
+            <a:r>
+              <a:rPr lang="de-DE" dirty="0">
+                <a:latin typeface="Courier New" panose="02070309020205020404" pitchFamily="49" charset="0"/>
+                <a:cs typeface="Courier New" panose="02070309020205020404" pitchFamily="49" charset="0"/>
+              </a:rPr>
+              <a:t> = 65535</a:t>
+            </a:r>
+          </a:p>
+          <a:p>
+            <a:r>
+              <a:rPr lang="de-DE" dirty="0">
+                <a:latin typeface="Courier New" panose="02070309020205020404" pitchFamily="49" charset="0"/>
+                <a:cs typeface="Courier New" panose="02070309020205020404" pitchFamily="49" charset="0"/>
+              </a:rPr>
+              <a:t>1000000000000000 = 2</a:t>
+            </a:r>
+            <a:r>
+              <a:rPr lang="de-DE" baseline="30000" dirty="0">
+                <a:latin typeface="Courier New" panose="02070309020205020404" pitchFamily="49" charset="0"/>
+                <a:cs typeface="Courier New" panose="02070309020205020404" pitchFamily="49" charset="0"/>
+              </a:rPr>
+              <a:t>15</a:t>
+            </a:r>
+            <a:r>
+              <a:rPr lang="de-DE" dirty="0">
+                <a:latin typeface="Courier New" panose="02070309020205020404" pitchFamily="49" charset="0"/>
+                <a:cs typeface="Courier New" panose="02070309020205020404" pitchFamily="49" charset="0"/>
+              </a:rPr>
+              <a:t> = 32768</a:t>
+            </a:r>
+          </a:p>
+          <a:p>
+            <a:r>
+              <a:rPr lang="de-DE" dirty="0">
+                <a:latin typeface="Courier New" panose="02070309020205020404" pitchFamily="49" charset="0"/>
+                <a:cs typeface="Courier New" panose="02070309020205020404" pitchFamily="49" charset="0"/>
+              </a:rPr>
+              <a:t>1000111111111111 = 2</a:t>
+            </a:r>
+            <a:r>
+              <a:rPr lang="de-DE" baseline="30000" dirty="0">
+                <a:latin typeface="Courier New" panose="02070309020205020404" pitchFamily="49" charset="0"/>
+                <a:cs typeface="Courier New" panose="02070309020205020404" pitchFamily="49" charset="0"/>
+              </a:rPr>
+              <a:t>0 </a:t>
+            </a:r>
+            <a:r>
+              <a:rPr lang="de-DE" dirty="0">
+                <a:latin typeface="Courier New" panose="02070309020205020404" pitchFamily="49" charset="0"/>
+                <a:cs typeface="Courier New" panose="02070309020205020404" pitchFamily="49" charset="0"/>
+              </a:rPr>
+              <a:t>+ 2</a:t>
+            </a:r>
+            <a:r>
+              <a:rPr lang="de-DE" baseline="30000" dirty="0">
+                <a:latin typeface="Courier New" panose="02070309020205020404" pitchFamily="49" charset="0"/>
+                <a:cs typeface="Courier New" panose="02070309020205020404" pitchFamily="49" charset="0"/>
+              </a:rPr>
+              <a:t>1</a:t>
+            </a:r>
+            <a:r>
+              <a:rPr lang="de-DE" dirty="0">
+                <a:latin typeface="Courier New" panose="02070309020205020404" pitchFamily="49" charset="0"/>
+                <a:cs typeface="Courier New" panose="02070309020205020404" pitchFamily="49" charset="0"/>
+              </a:rPr>
+              <a:t> + … + 2</a:t>
+            </a:r>
+            <a:r>
+              <a:rPr lang="de-DE" baseline="30000" dirty="0">
+                <a:latin typeface="Courier New" panose="02070309020205020404" pitchFamily="49" charset="0"/>
+                <a:cs typeface="Courier New" panose="02070309020205020404" pitchFamily="49" charset="0"/>
+              </a:rPr>
+              <a:t>11 </a:t>
+            </a:r>
+            <a:r>
+              <a:rPr lang="de-DE">
+                <a:latin typeface="Courier New" panose="02070309020205020404" pitchFamily="49" charset="0"/>
+                <a:cs typeface="Courier New" panose="02070309020205020404" pitchFamily="49" charset="0"/>
+              </a:rPr>
+              <a:t>= 4095</a:t>
+            </a:r>
+            <a:endParaRPr lang="de-DE" dirty="0">
+              <a:latin typeface="Courier New" panose="02070309020205020404" pitchFamily="49" charset="0"/>
+              <a:cs typeface="Courier New" panose="02070309020205020404" pitchFamily="49" charset="0"/>
+            </a:endParaRPr>
+          </a:p>
+          <a:p>
+            <a:r>
+              <a:rPr lang="de-DE" dirty="0">
+                <a:latin typeface="Courier New" panose="02070309020205020404" pitchFamily="49" charset="0"/>
+                <a:cs typeface="Courier New" panose="02070309020205020404" pitchFamily="49" charset="0"/>
+              </a:rPr>
+              <a:t> </a:t>
+            </a:r>
+          </a:p>
+          <a:p>
+            <a:r>
+              <a:rPr lang="de-DE" b="1" dirty="0">
+                <a:latin typeface="Courier New" panose="02070309020205020404" pitchFamily="49" charset="0"/>
+                <a:cs typeface="Courier New" panose="02070309020205020404" pitchFamily="49" charset="0"/>
+              </a:rPr>
+              <a:t>16-bit </a:t>
+            </a:r>
+            <a:r>
+              <a:rPr lang="de-DE" b="1" dirty="0" err="1">
+                <a:latin typeface="Courier New" panose="02070309020205020404" pitchFamily="49" charset="0"/>
+                <a:cs typeface="Courier New" panose="02070309020205020404" pitchFamily="49" charset="0"/>
+              </a:rPr>
+              <a:t>signed</a:t>
+            </a:r>
+            <a:r>
+              <a:rPr lang="de-DE" b="1" dirty="0">
+                <a:latin typeface="Courier New" panose="02070309020205020404" pitchFamily="49" charset="0"/>
+                <a:cs typeface="Courier New" panose="02070309020205020404" pitchFamily="49" charset="0"/>
+              </a:rPr>
+              <a:t> integer</a:t>
+            </a:r>
+          </a:p>
+          <a:p>
+            <a:r>
+              <a:rPr lang="de-DE" dirty="0">
+                <a:solidFill>
+                  <a:schemeClr val="accent2"/>
+                </a:solidFill>
+                <a:latin typeface="Courier New" panose="02070309020205020404" pitchFamily="49" charset="0"/>
+                <a:cs typeface="Courier New" panose="02070309020205020404" pitchFamily="49" charset="0"/>
+              </a:rPr>
+              <a:t>0</a:t>
+            </a:r>
+            <a:r>
+              <a:rPr lang="de-DE" dirty="0">
+                <a:latin typeface="Courier New" panose="02070309020205020404" pitchFamily="49" charset="0"/>
+                <a:cs typeface="Courier New" panose="02070309020205020404" pitchFamily="49" charset="0"/>
+              </a:rPr>
+              <a:t>000000000000000 = </a:t>
+            </a:r>
+            <a:r>
+              <a:rPr lang="de-DE" dirty="0">
+                <a:solidFill>
+                  <a:schemeClr val="accent2"/>
+                </a:solidFill>
+                <a:latin typeface="Courier New" panose="02070309020205020404" pitchFamily="49" charset="0"/>
+                <a:cs typeface="Courier New" panose="02070309020205020404" pitchFamily="49" charset="0"/>
+              </a:rPr>
+              <a:t>+</a:t>
+            </a:r>
+            <a:r>
+              <a:rPr lang="de-DE" dirty="0">
+                <a:latin typeface="Courier New" panose="02070309020205020404" pitchFamily="49" charset="0"/>
+                <a:cs typeface="Courier New" panose="02070309020205020404" pitchFamily="49" charset="0"/>
+              </a:rPr>
+              <a:t>0</a:t>
+            </a:r>
+          </a:p>
+          <a:p>
+            <a:r>
+              <a:rPr lang="de-DE" dirty="0">
+                <a:solidFill>
+                  <a:schemeClr val="accent2"/>
+                </a:solidFill>
+                <a:latin typeface="Courier New" panose="02070309020205020404" pitchFamily="49" charset="0"/>
+                <a:cs typeface="Courier New" panose="02070309020205020404" pitchFamily="49" charset="0"/>
+              </a:rPr>
+              <a:t>1</a:t>
+            </a:r>
+            <a:r>
+              <a:rPr lang="de-DE" dirty="0">
+                <a:latin typeface="Courier New" panose="02070309020205020404" pitchFamily="49" charset="0"/>
+                <a:cs typeface="Courier New" panose="02070309020205020404" pitchFamily="49" charset="0"/>
+              </a:rPr>
+              <a:t>000000000000000 = </a:t>
+            </a:r>
+            <a:r>
+              <a:rPr lang="de-DE" dirty="0">
+                <a:solidFill>
+                  <a:schemeClr val="accent2"/>
+                </a:solidFill>
+                <a:latin typeface="Courier New" panose="02070309020205020404" pitchFamily="49" charset="0"/>
+                <a:cs typeface="Courier New" panose="02070309020205020404" pitchFamily="49" charset="0"/>
+              </a:rPr>
+              <a:t>-</a:t>
+            </a:r>
+            <a:r>
+              <a:rPr lang="de-DE" dirty="0">
+                <a:latin typeface="Courier New" panose="02070309020205020404" pitchFamily="49" charset="0"/>
+                <a:cs typeface="Courier New" panose="02070309020205020404" pitchFamily="49" charset="0"/>
+              </a:rPr>
+              <a:t>0</a:t>
+            </a:r>
+          </a:p>
+          <a:p>
+            <a:r>
+              <a:rPr lang="de-DE" dirty="0">
+                <a:solidFill>
+                  <a:schemeClr val="accent2"/>
+                </a:solidFill>
+                <a:latin typeface="Courier New" panose="02070309020205020404" pitchFamily="49" charset="0"/>
+                <a:cs typeface="Courier New" panose="02070309020205020404" pitchFamily="49" charset="0"/>
+              </a:rPr>
+              <a:t>1</a:t>
+            </a:r>
+            <a:r>
+              <a:rPr lang="de-DE" dirty="0">
+                <a:latin typeface="Courier New" panose="02070309020205020404" pitchFamily="49" charset="0"/>
+                <a:cs typeface="Courier New" panose="02070309020205020404" pitchFamily="49" charset="0"/>
+              </a:rPr>
+              <a:t>000000000000100 = </a:t>
+            </a:r>
+            <a:r>
+              <a:rPr lang="de-DE" dirty="0">
+                <a:solidFill>
+                  <a:schemeClr val="accent2"/>
+                </a:solidFill>
+                <a:latin typeface="Courier New" panose="02070309020205020404" pitchFamily="49" charset="0"/>
+                <a:cs typeface="Courier New" panose="02070309020205020404" pitchFamily="49" charset="0"/>
+              </a:rPr>
+              <a:t>-</a:t>
+            </a:r>
+            <a:r>
+              <a:rPr lang="de-DE" dirty="0">
+                <a:latin typeface="Courier New" panose="02070309020205020404" pitchFamily="49" charset="0"/>
+                <a:cs typeface="Courier New" panose="02070309020205020404" pitchFamily="49" charset="0"/>
+              </a:rPr>
+              <a:t>4</a:t>
+            </a:r>
+          </a:p>
+          <a:p>
+            <a:endParaRPr lang="de-DE" dirty="0">
+              <a:latin typeface="Courier New" panose="02070309020205020404" pitchFamily="49" charset="0"/>
+              <a:cs typeface="Courier New" panose="02070309020205020404" pitchFamily="49" charset="0"/>
+            </a:endParaRPr>
+          </a:p>
+          <a:p>
+            <a:r>
+              <a:rPr lang="de-DE" b="1" dirty="0">
+                <a:latin typeface="Courier New" panose="02070309020205020404" pitchFamily="49" charset="0"/>
+                <a:cs typeface="Courier New" panose="02070309020205020404" pitchFamily="49" charset="0"/>
+              </a:rPr>
+              <a:t>32-bit </a:t>
+            </a:r>
+            <a:r>
+              <a:rPr lang="de-DE" b="1" dirty="0" err="1">
+                <a:latin typeface="Courier New" panose="02070309020205020404" pitchFamily="49" charset="0"/>
+                <a:cs typeface="Courier New" panose="02070309020205020404" pitchFamily="49" charset="0"/>
+              </a:rPr>
+              <a:t>floating</a:t>
+            </a:r>
+            <a:r>
+              <a:rPr lang="de-DE" b="1" dirty="0">
+                <a:latin typeface="Courier New" panose="02070309020205020404" pitchFamily="49" charset="0"/>
+                <a:cs typeface="Courier New" panose="02070309020205020404" pitchFamily="49" charset="0"/>
+              </a:rPr>
+              <a:t> </a:t>
+            </a:r>
+            <a:r>
+              <a:rPr lang="de-DE" b="1" dirty="0" err="1">
+                <a:latin typeface="Courier New" panose="02070309020205020404" pitchFamily="49" charset="0"/>
+                <a:cs typeface="Courier New" panose="02070309020205020404" pitchFamily="49" charset="0"/>
+              </a:rPr>
+              <a:t>point</a:t>
+            </a:r>
+            <a:endParaRPr lang="de-DE" b="1" dirty="0">
+              <a:latin typeface="Courier New" panose="02070309020205020404" pitchFamily="49" charset="0"/>
+              <a:cs typeface="Courier New" panose="02070309020205020404" pitchFamily="49" charset="0"/>
+            </a:endParaRPr>
+          </a:p>
+          <a:p>
+            <a:r>
+              <a:rPr lang="de-DE" dirty="0">
+                <a:solidFill>
+                  <a:schemeClr val="accent2"/>
+                </a:solidFill>
+                <a:latin typeface="Courier New" panose="02070309020205020404" pitchFamily="49" charset="0"/>
+                <a:cs typeface="Courier New" panose="02070309020205020404" pitchFamily="49" charset="0"/>
+              </a:rPr>
+              <a:t>1</a:t>
+            </a:r>
+            <a:r>
+              <a:rPr lang="de-DE" dirty="0">
+                <a:solidFill>
+                  <a:schemeClr val="accent1"/>
+                </a:solidFill>
+                <a:latin typeface="Courier New" panose="02070309020205020404" pitchFamily="49" charset="0"/>
+                <a:cs typeface="Courier New" panose="02070309020205020404" pitchFamily="49" charset="0"/>
+              </a:rPr>
+              <a:t>00000010</a:t>
+            </a:r>
+            <a:r>
+              <a:rPr lang="de-DE" dirty="0">
+                <a:latin typeface="Courier New" panose="02070309020205020404" pitchFamily="49" charset="0"/>
+                <a:cs typeface="Courier New" panose="02070309020205020404" pitchFamily="49" charset="0"/>
+              </a:rPr>
+              <a:t>00000000000000000000010 = </a:t>
+            </a:r>
+            <a:r>
+              <a:rPr lang="de-DE" dirty="0">
+                <a:solidFill>
+                  <a:schemeClr val="accent2"/>
+                </a:solidFill>
+                <a:latin typeface="Courier New" panose="02070309020205020404" pitchFamily="49" charset="0"/>
+                <a:cs typeface="Courier New" panose="02070309020205020404" pitchFamily="49" charset="0"/>
+              </a:rPr>
+              <a:t>- </a:t>
+            </a:r>
+            <a:r>
+              <a:rPr lang="de-DE" dirty="0">
+                <a:latin typeface="Courier New" panose="02070309020205020404" pitchFamily="49" charset="0"/>
+                <a:cs typeface="Courier New" panose="02070309020205020404" pitchFamily="49" charset="0"/>
+              </a:rPr>
+              <a:t>1.?</a:t>
+            </a:r>
+            <a:r>
+              <a:rPr lang="de-DE" dirty="0">
+                <a:solidFill>
+                  <a:schemeClr val="accent2"/>
+                </a:solidFill>
+                <a:latin typeface="Courier New" panose="02070309020205020404" pitchFamily="49" charset="0"/>
+                <a:cs typeface="Courier New" panose="02070309020205020404" pitchFamily="49" charset="0"/>
+              </a:rPr>
+              <a:t> </a:t>
+            </a:r>
+            <a:r>
+              <a:rPr lang="de-DE" dirty="0">
+                <a:solidFill>
+                  <a:schemeClr val="accent1"/>
+                </a:solidFill>
+                <a:latin typeface="Courier New" panose="02070309020205020404" pitchFamily="49" charset="0"/>
+                <a:cs typeface="Courier New" panose="02070309020205020404" pitchFamily="49" charset="0"/>
+              </a:rPr>
+              <a:t>2</a:t>
+            </a:r>
+            <a:r>
+              <a:rPr lang="de-DE" baseline="30000" dirty="0">
+                <a:solidFill>
+                  <a:schemeClr val="accent1"/>
+                </a:solidFill>
+                <a:latin typeface="Courier New" panose="02070309020205020404" pitchFamily="49" charset="0"/>
+                <a:cs typeface="Courier New" panose="02070309020205020404" pitchFamily="49" charset="0"/>
+              </a:rPr>
+              <a:t>?</a:t>
+            </a:r>
+          </a:p>
+          <a:p>
+            <a:endParaRPr lang="de-DE" dirty="0">
+              <a:latin typeface="Courier New" panose="02070309020205020404" pitchFamily="49" charset="0"/>
+              <a:cs typeface="Courier New" panose="02070309020205020404" pitchFamily="49" charset="0"/>
+            </a:endParaRPr>
+          </a:p>
+          <a:p>
+            <a:endParaRPr lang="de-DE" dirty="0">
+              <a:latin typeface="Courier New" panose="02070309020205020404" pitchFamily="49" charset="0"/>
+              <a:cs typeface="Courier New" panose="02070309020205020404" pitchFamily="49" charset="0"/>
+            </a:endParaRPr>
+          </a:p>
+          <a:p>
+            <a:endParaRPr lang="de-DE" dirty="0">
+              <a:latin typeface="Courier New" panose="02070309020205020404" pitchFamily="49" charset="0"/>
+              <a:cs typeface="Courier New" panose="02070309020205020404" pitchFamily="49" charset="0"/>
+            </a:endParaRPr>
+          </a:p>
+        </p:txBody>
+      </p:sp>
+    </p:spTree>
+    <p:extLst>
+      <p:ext uri="{BB962C8B-B14F-4D97-AF65-F5344CB8AC3E}">
+        <p14:creationId xmlns:p14="http://schemas.microsoft.com/office/powerpoint/2010/main" val="3603261826"/>
+      </p:ext>
+    </p:extLst>
+  </p:cSld>
+  <p:clrMapOvr>
+    <a:masterClrMapping/>
+  </p:clrMapOvr>
+</p:sld>
+</file>
+
+<file path=ppt/slides/slide2.xml><?xml version="1.0" encoding="utf-8"?>
+<p:sld xmlns:a="http://schemas.openxmlformats.org/drawingml/2006/main" xmlns:r="http://schemas.openxmlformats.org/officeDocument/2006/relationships" xmlns:p="http://schemas.openxmlformats.org/presentationml/2006/main">
+  <p:cSld>
+    <p:spTree>
+      <p:nvGrpSpPr>
+        <p:cNvPr id="1" name=""/>
+        <p:cNvGrpSpPr/>
+        <p:nvPr/>
+      </p:nvGrpSpPr>
+      <p:grpSpPr>
+        <a:xfrm>
+          <a:off x="0" y="0"/>
+          <a:ext cx="0" cy="0"/>
+          <a:chOff x="0" y="0"/>
+          <a:chExt cx="0" cy="0"/>
+        </a:xfrm>
+      </p:grpSpPr>
+      <p:sp>
+        <p:nvSpPr>
+          <p:cNvPr id="2" name="Title 1">
+            <a:extLst>
+              <a:ext uri="{FF2B5EF4-FFF2-40B4-BE49-F238E27FC236}">
+                <a16:creationId xmlns:a16="http://schemas.microsoft.com/office/drawing/2014/main" id="{18DD4CEF-1C34-9842-98DA-B97934577E7F}"/>
+              </a:ext>
+            </a:extLst>
+          </p:cNvPr>
+          <p:cNvSpPr>
+            <a:spLocks noGrp="1"/>
+          </p:cNvSpPr>
+          <p:nvPr>
+            <p:ph type="title"/>
+          </p:nvPr>
+        </p:nvSpPr>
+        <p:spPr/>
+        <p:txBody>
+          <a:bodyPr>
+            <a:normAutofit fontScale="90000"/>
+          </a:bodyPr>
+          <a:lstStyle/>
+          <a:p>
+            <a:r>
+              <a:rPr lang="de-DE" dirty="0"/>
+              <a:t>http://</a:t>
+            </a:r>
+            <a:r>
+              <a:rPr lang="de-DE" dirty="0" err="1"/>
+              <a:t>www.dspguide.com</a:t>
+            </a:r>
+            <a:r>
+              <a:rPr lang="de-DE" dirty="0"/>
+              <a:t>/ch4/3.htm</a:t>
+            </a:r>
+          </a:p>
+        </p:txBody>
+      </p:sp>
       <p:pic>
         <p:nvPicPr>
-          <p:cNvPr id="5" name="Picture 4">
-            <a:extLst>
-              <a:ext uri="{FF2B5EF4-FFF2-40B4-BE49-F238E27FC236}">
-                <a16:creationId xmlns:a16="http://schemas.microsoft.com/office/drawing/2014/main" id="{B6FA77CB-536A-364F-91D6-08DC8B1800A9}"/>
+          <p:cNvPr id="4" name="Picture 3">
+            <a:extLst>
+              <a:ext uri="{FF2B5EF4-FFF2-40B4-BE49-F238E27FC236}">
+                <a16:creationId xmlns:a16="http://schemas.microsoft.com/office/drawing/2014/main" id="{F466BC36-9EEF-D340-9AE3-25818BC92E8C}"/>
               </a:ext>
             </a:extLst>
           </p:cNvPr>
@@ -4475,15 +5259,15 @@
           <p:nvPr/>
         </p:nvPicPr>
         <p:blipFill>
-          <a:blip r:embed="rId3"/>
+          <a:blip r:embed="rId2"/>
           <a:stretch>
             <a:fillRect/>
           </a:stretch>
         </p:blipFill>
         <p:spPr>
           <a:xfrm>
-            <a:off x="902608" y="1229179"/>
-            <a:ext cx="2984500" cy="1765300"/>
+            <a:off x="3151413" y="1727198"/>
+            <a:ext cx="6232071" cy="4724969"/>
           </a:xfrm>
           <a:prstGeom prst="rect">
             <a:avLst/>
@@ -4493,7 +5277,802 @@
     </p:spTree>
     <p:extLst>
       <p:ext uri="{BB962C8B-B14F-4D97-AF65-F5344CB8AC3E}">
-        <p14:creationId xmlns:p14="http://schemas.microsoft.com/office/powerpoint/2010/main" val="3603261826"/>
+        <p14:creationId xmlns:p14="http://schemas.microsoft.com/office/powerpoint/2010/main" val="914945715"/>
+      </p:ext>
+    </p:extLst>
+  </p:cSld>
+  <p:clrMapOvr>
+    <a:masterClrMapping/>
+  </p:clrMapOvr>
+</p:sld>
+</file>
+
+<file path=ppt/slides/slide3.xml><?xml version="1.0" encoding="utf-8"?>
+<p:sld xmlns:a="http://schemas.openxmlformats.org/drawingml/2006/main" xmlns:r="http://schemas.openxmlformats.org/officeDocument/2006/relationships" xmlns:p="http://schemas.openxmlformats.org/presentationml/2006/main">
+  <p:cSld>
+    <p:spTree>
+      <p:nvGrpSpPr>
+        <p:cNvPr id="1" name=""/>
+        <p:cNvGrpSpPr/>
+        <p:nvPr/>
+      </p:nvGrpSpPr>
+      <p:grpSpPr>
+        <a:xfrm>
+          <a:off x="0" y="0"/>
+          <a:ext cx="0" cy="0"/>
+          <a:chOff x="0" y="0"/>
+          <a:chExt cx="0" cy="0"/>
+        </a:xfrm>
+      </p:grpSpPr>
+      <p:sp>
+        <p:nvSpPr>
+          <p:cNvPr id="2" name="Title 1">
+            <a:extLst>
+              <a:ext uri="{FF2B5EF4-FFF2-40B4-BE49-F238E27FC236}">
+                <a16:creationId xmlns:a16="http://schemas.microsoft.com/office/drawing/2014/main" id="{C3B00C41-CEB7-234A-A5FF-4CA4E28633F8}"/>
+              </a:ext>
+            </a:extLst>
+          </p:cNvPr>
+          <p:cNvSpPr>
+            <a:spLocks noGrp="1"/>
+          </p:cNvSpPr>
+          <p:nvPr>
+            <p:ph type="title"/>
+          </p:nvPr>
+        </p:nvSpPr>
+        <p:spPr/>
+        <p:txBody>
+          <a:bodyPr>
+            <a:normAutofit fontScale="90000"/>
+          </a:bodyPr>
+          <a:lstStyle/>
+          <a:p>
+            <a:r>
+              <a:rPr lang="de-DE" dirty="0"/>
+              <a:t>http://</a:t>
+            </a:r>
+            <a:r>
+              <a:rPr lang="de-DE" dirty="0" err="1"/>
+              <a:t>www.davdata.nl</a:t>
+            </a:r>
+            <a:r>
+              <a:rPr lang="de-DE" dirty="0"/>
+              <a:t>/</a:t>
+            </a:r>
+            <a:r>
+              <a:rPr lang="de-DE" dirty="0" err="1"/>
+              <a:t>math</a:t>
+            </a:r>
+            <a:r>
+              <a:rPr lang="de-DE" dirty="0"/>
+              <a:t>/</a:t>
+            </a:r>
+            <a:r>
+              <a:rPr lang="de-DE" dirty="0" err="1"/>
+              <a:t>floatingpoint.html</a:t>
+            </a:r>
+            <a:endParaRPr lang="de-DE" dirty="0"/>
+          </a:p>
+        </p:txBody>
+      </p:sp>
+      <p:pic>
+        <p:nvPicPr>
+          <p:cNvPr id="4" name="Picture 3">
+            <a:extLst>
+              <a:ext uri="{FF2B5EF4-FFF2-40B4-BE49-F238E27FC236}">
+                <a16:creationId xmlns:a16="http://schemas.microsoft.com/office/drawing/2014/main" id="{AA8CFA1F-9E8A-F44E-AD9F-492016D1AD59}"/>
+              </a:ext>
+            </a:extLst>
+          </p:cNvPr>
+          <p:cNvPicPr>
+            <a:picLocks noChangeAspect="1"/>
+          </p:cNvPicPr>
+          <p:nvPr/>
+        </p:nvPicPr>
+        <p:blipFill>
+          <a:blip r:embed="rId2"/>
+          <a:stretch>
+            <a:fillRect/>
+          </a:stretch>
+        </p:blipFill>
+        <p:spPr>
+          <a:xfrm>
+            <a:off x="3168650" y="2725964"/>
+            <a:ext cx="5854700" cy="2755900"/>
+          </a:xfrm>
+          <a:prstGeom prst="rect">
+            <a:avLst/>
+          </a:prstGeom>
+        </p:spPr>
+      </p:pic>
+    </p:spTree>
+    <p:extLst>
+      <p:ext uri="{BB962C8B-B14F-4D97-AF65-F5344CB8AC3E}">
+        <p14:creationId xmlns:p14="http://schemas.microsoft.com/office/powerpoint/2010/main" val="948533929"/>
+      </p:ext>
+    </p:extLst>
+  </p:cSld>
+  <p:clrMapOvr>
+    <a:masterClrMapping/>
+  </p:clrMapOvr>
+</p:sld>
+</file>
+
+<file path=ppt/slides/slide4.xml><?xml version="1.0" encoding="utf-8"?>
+<p:sld xmlns:a="http://schemas.openxmlformats.org/drawingml/2006/main" xmlns:r="http://schemas.openxmlformats.org/officeDocument/2006/relationships" xmlns:p="http://schemas.openxmlformats.org/presentationml/2006/main">
+  <p:cSld>
+    <p:spTree>
+      <p:nvGrpSpPr>
+        <p:cNvPr id="1" name="Shape 136"/>
+        <p:cNvGrpSpPr/>
+        <p:nvPr/>
+      </p:nvGrpSpPr>
+      <p:grpSpPr>
+        <a:xfrm>
+          <a:off x="0" y="0"/>
+          <a:ext cx="0" cy="0"/>
+          <a:chOff x="0" y="0"/>
+          <a:chExt cx="0" cy="0"/>
+        </a:xfrm>
+      </p:grpSpPr>
+      <p:sp>
+        <p:nvSpPr>
+          <p:cNvPr id="137" name="Google Shape;137;p18"/>
+          <p:cNvSpPr txBox="1">
+            <a:spLocks noGrp="1"/>
+          </p:cNvSpPr>
+          <p:nvPr>
+            <p:ph type="title"/>
+          </p:nvPr>
+        </p:nvSpPr>
+        <p:spPr>
+          <a:xfrm>
+            <a:off x="2716081" y="129156"/>
+            <a:ext cx="6804837" cy="763650"/>
+          </a:xfrm>
+          <a:prstGeom prst="rect">
+            <a:avLst/>
+          </a:prstGeom>
+          <a:noFill/>
+          <a:ln>
+            <a:noFill/>
+          </a:ln>
+        </p:spPr>
+        <p:txBody>
+          <a:bodyPr spcFirstLastPara="1" vert="horz" wrap="square" lIns="121888" tIns="121888" rIns="121888" bIns="121888" rtlCol="0" anchor="t" anchorCtr="0">
+            <a:noAutofit/>
+          </a:bodyPr>
+          <a:lstStyle/>
+          <a:p>
+            <a:pPr algn="ctr">
+              <a:buSzPts val="5800"/>
+            </a:pPr>
+            <a:r>
+              <a:rPr lang="en-US" sz="3300" dirty="0"/>
+              <a:t>Data types: more examples</a:t>
+            </a:r>
+            <a:endParaRPr dirty="0"/>
+          </a:p>
+        </p:txBody>
+      </p:sp>
+      <p:sp>
+        <p:nvSpPr>
+          <p:cNvPr id="2" name="TextBox 1">
+            <a:extLst>
+              <a:ext uri="{FF2B5EF4-FFF2-40B4-BE49-F238E27FC236}">
+                <a16:creationId xmlns:a16="http://schemas.microsoft.com/office/drawing/2014/main" id="{1EA846E5-3D55-F441-907F-420B2B28B907}"/>
+              </a:ext>
+            </a:extLst>
+          </p:cNvPr>
+          <p:cNvSpPr txBox="1"/>
+          <p:nvPr/>
+        </p:nvSpPr>
+        <p:spPr>
+          <a:xfrm>
+            <a:off x="2460900" y="1197430"/>
+            <a:ext cx="9001758" cy="5909310"/>
+          </a:xfrm>
+          <a:prstGeom prst="rect">
+            <a:avLst/>
+          </a:prstGeom>
+          <a:noFill/>
+        </p:spPr>
+        <p:txBody>
+          <a:bodyPr wrap="square" rtlCol="0">
+            <a:spAutoFit/>
+          </a:bodyPr>
+          <a:lstStyle/>
+          <a:p>
+            <a:r>
+              <a:rPr lang="de-DE" b="1" dirty="0">
+                <a:latin typeface="Courier New" panose="02070309020205020404" pitchFamily="49" charset="0"/>
+                <a:cs typeface="Courier New" panose="02070309020205020404" pitchFamily="49" charset="0"/>
+              </a:rPr>
+              <a:t>8-bit </a:t>
+            </a:r>
+            <a:r>
+              <a:rPr lang="de-DE" b="1" dirty="0" err="1">
+                <a:latin typeface="Courier New" panose="02070309020205020404" pitchFamily="49" charset="0"/>
+                <a:cs typeface="Courier New" panose="02070309020205020404" pitchFamily="49" charset="0"/>
+              </a:rPr>
+              <a:t>unsigned</a:t>
+            </a:r>
+            <a:r>
+              <a:rPr lang="de-DE" b="1" dirty="0">
+                <a:latin typeface="Courier New" panose="02070309020205020404" pitchFamily="49" charset="0"/>
+                <a:cs typeface="Courier New" panose="02070309020205020404" pitchFamily="49" charset="0"/>
+              </a:rPr>
+              <a:t> integer</a:t>
+            </a:r>
+          </a:p>
+          <a:p>
+            <a:r>
+              <a:rPr lang="de-DE" dirty="0">
+                <a:latin typeface="Courier New" panose="02070309020205020404" pitchFamily="49" charset="0"/>
+                <a:cs typeface="Courier New" panose="02070309020205020404" pitchFamily="49" charset="0"/>
+              </a:rPr>
+              <a:t>00000000 = 0</a:t>
+            </a:r>
+          </a:p>
+          <a:p>
+            <a:r>
+              <a:rPr lang="de-DE" dirty="0">
+                <a:latin typeface="Courier New" panose="02070309020205020404" pitchFamily="49" charset="0"/>
+                <a:cs typeface="Courier New" panose="02070309020205020404" pitchFamily="49" charset="0"/>
+              </a:rPr>
+              <a:t>00000001 = 2</a:t>
+            </a:r>
+            <a:r>
+              <a:rPr lang="de-DE" baseline="30000" dirty="0">
+                <a:latin typeface="Courier New" panose="02070309020205020404" pitchFamily="49" charset="0"/>
+                <a:cs typeface="Courier New" panose="02070309020205020404" pitchFamily="49" charset="0"/>
+              </a:rPr>
+              <a:t>0</a:t>
+            </a:r>
+            <a:r>
+              <a:rPr lang="de-DE" dirty="0">
+                <a:latin typeface="Courier New" panose="02070309020205020404" pitchFamily="49" charset="0"/>
+                <a:cs typeface="Courier New" panose="02070309020205020404" pitchFamily="49" charset="0"/>
+              </a:rPr>
+              <a:t> = 1</a:t>
+            </a:r>
+          </a:p>
+          <a:p>
+            <a:r>
+              <a:rPr lang="de-DE" dirty="0">
+                <a:latin typeface="Courier New" panose="02070309020205020404" pitchFamily="49" charset="0"/>
+                <a:cs typeface="Courier New" panose="02070309020205020404" pitchFamily="49" charset="0"/>
+              </a:rPr>
+              <a:t>00000101 = 2</a:t>
+            </a:r>
+            <a:r>
+              <a:rPr lang="de-DE" baseline="30000" dirty="0">
+                <a:latin typeface="Courier New" panose="02070309020205020404" pitchFamily="49" charset="0"/>
+                <a:cs typeface="Courier New" panose="02070309020205020404" pitchFamily="49" charset="0"/>
+              </a:rPr>
+              <a:t>0 </a:t>
+            </a:r>
+            <a:r>
+              <a:rPr lang="de-DE" dirty="0">
+                <a:latin typeface="Courier New" panose="02070309020205020404" pitchFamily="49" charset="0"/>
+                <a:cs typeface="Courier New" panose="02070309020205020404" pitchFamily="49" charset="0"/>
+              </a:rPr>
+              <a:t>+ 2</a:t>
+            </a:r>
+            <a:r>
+              <a:rPr lang="de-DE" baseline="30000" dirty="0">
+                <a:latin typeface="Courier New" panose="02070309020205020404" pitchFamily="49" charset="0"/>
+                <a:cs typeface="Courier New" panose="02070309020205020404" pitchFamily="49" charset="0"/>
+              </a:rPr>
+              <a:t>2</a:t>
+            </a:r>
+            <a:r>
+              <a:rPr lang="de-DE" dirty="0">
+                <a:latin typeface="Courier New" panose="02070309020205020404" pitchFamily="49" charset="0"/>
+                <a:cs typeface="Courier New" panose="02070309020205020404" pitchFamily="49" charset="0"/>
+              </a:rPr>
+              <a:t> = 5</a:t>
+            </a:r>
+          </a:p>
+          <a:p>
+            <a:r>
+              <a:rPr lang="de-DE" dirty="0">
+                <a:latin typeface="Courier New" panose="02070309020205020404" pitchFamily="49" charset="0"/>
+                <a:cs typeface="Courier New" panose="02070309020205020404" pitchFamily="49" charset="0"/>
+              </a:rPr>
+              <a:t>11111111 = 2</a:t>
+            </a:r>
+            <a:r>
+              <a:rPr lang="de-DE" baseline="30000" dirty="0">
+                <a:latin typeface="Courier New" panose="02070309020205020404" pitchFamily="49" charset="0"/>
+                <a:cs typeface="Courier New" panose="02070309020205020404" pitchFamily="49" charset="0"/>
+              </a:rPr>
+              <a:t>0 </a:t>
+            </a:r>
+            <a:r>
+              <a:rPr lang="de-DE" dirty="0">
+                <a:latin typeface="Courier New" panose="02070309020205020404" pitchFamily="49" charset="0"/>
+                <a:cs typeface="Courier New" panose="02070309020205020404" pitchFamily="49" charset="0"/>
+              </a:rPr>
+              <a:t>+ 2</a:t>
+            </a:r>
+            <a:r>
+              <a:rPr lang="de-DE" baseline="30000" dirty="0">
+                <a:latin typeface="Courier New" panose="02070309020205020404" pitchFamily="49" charset="0"/>
+                <a:cs typeface="Courier New" panose="02070309020205020404" pitchFamily="49" charset="0"/>
+              </a:rPr>
+              <a:t>1</a:t>
+            </a:r>
+            <a:r>
+              <a:rPr lang="de-DE" dirty="0">
+                <a:latin typeface="Courier New" panose="02070309020205020404" pitchFamily="49" charset="0"/>
+                <a:cs typeface="Courier New" panose="02070309020205020404" pitchFamily="49" charset="0"/>
+              </a:rPr>
+              <a:t> + … + 2</a:t>
+            </a:r>
+            <a:r>
+              <a:rPr lang="de-DE" baseline="30000" dirty="0">
+                <a:latin typeface="Courier New" panose="02070309020205020404" pitchFamily="49" charset="0"/>
+                <a:cs typeface="Courier New" panose="02070309020205020404" pitchFamily="49" charset="0"/>
+              </a:rPr>
+              <a:t>7</a:t>
+            </a:r>
+            <a:r>
+              <a:rPr lang="de-DE" dirty="0">
+                <a:latin typeface="Courier New" panose="02070309020205020404" pitchFamily="49" charset="0"/>
+                <a:cs typeface="Courier New" panose="02070309020205020404" pitchFamily="49" charset="0"/>
+              </a:rPr>
+              <a:t> = 255 </a:t>
+            </a:r>
+          </a:p>
+          <a:p>
+            <a:endParaRPr lang="de-DE" dirty="0">
+              <a:latin typeface="Courier New" panose="02070309020205020404" pitchFamily="49" charset="0"/>
+              <a:cs typeface="Courier New" panose="02070309020205020404" pitchFamily="49" charset="0"/>
+            </a:endParaRPr>
+          </a:p>
+          <a:p>
+            <a:r>
+              <a:rPr lang="de-DE" b="1" dirty="0">
+                <a:latin typeface="Courier New" panose="02070309020205020404" pitchFamily="49" charset="0"/>
+                <a:cs typeface="Courier New" panose="02070309020205020404" pitchFamily="49" charset="0"/>
+              </a:rPr>
+              <a:t>16-bit </a:t>
+            </a:r>
+            <a:r>
+              <a:rPr lang="de-DE" b="1" dirty="0" err="1">
+                <a:latin typeface="Courier New" panose="02070309020205020404" pitchFamily="49" charset="0"/>
+                <a:cs typeface="Courier New" panose="02070309020205020404" pitchFamily="49" charset="0"/>
+              </a:rPr>
+              <a:t>unsigned</a:t>
+            </a:r>
+            <a:r>
+              <a:rPr lang="de-DE" b="1" dirty="0">
+                <a:latin typeface="Courier New" panose="02070309020205020404" pitchFamily="49" charset="0"/>
+                <a:cs typeface="Courier New" panose="02070309020205020404" pitchFamily="49" charset="0"/>
+              </a:rPr>
+              <a:t> integer</a:t>
+            </a:r>
+          </a:p>
+          <a:p>
+            <a:r>
+              <a:rPr lang="de-DE" dirty="0">
+                <a:latin typeface="Courier New" panose="02070309020205020404" pitchFamily="49" charset="0"/>
+                <a:cs typeface="Courier New" panose="02070309020205020404" pitchFamily="49" charset="0"/>
+              </a:rPr>
+              <a:t>1111111111111111 = 2</a:t>
+            </a:r>
+            <a:r>
+              <a:rPr lang="de-DE" baseline="30000" dirty="0">
+                <a:latin typeface="Courier New" panose="02070309020205020404" pitchFamily="49" charset="0"/>
+                <a:cs typeface="Courier New" panose="02070309020205020404" pitchFamily="49" charset="0"/>
+              </a:rPr>
+              <a:t>0 </a:t>
+            </a:r>
+            <a:r>
+              <a:rPr lang="de-DE" dirty="0">
+                <a:latin typeface="Courier New" panose="02070309020205020404" pitchFamily="49" charset="0"/>
+                <a:cs typeface="Courier New" panose="02070309020205020404" pitchFamily="49" charset="0"/>
+              </a:rPr>
+              <a:t>+ 2</a:t>
+            </a:r>
+            <a:r>
+              <a:rPr lang="de-DE" baseline="30000" dirty="0">
+                <a:latin typeface="Courier New" panose="02070309020205020404" pitchFamily="49" charset="0"/>
+                <a:cs typeface="Courier New" panose="02070309020205020404" pitchFamily="49" charset="0"/>
+              </a:rPr>
+              <a:t>1</a:t>
+            </a:r>
+            <a:r>
+              <a:rPr lang="de-DE" dirty="0">
+                <a:latin typeface="Courier New" panose="02070309020205020404" pitchFamily="49" charset="0"/>
+                <a:cs typeface="Courier New" panose="02070309020205020404" pitchFamily="49" charset="0"/>
+              </a:rPr>
+              <a:t> + … + 2</a:t>
+            </a:r>
+            <a:r>
+              <a:rPr lang="de-DE" baseline="30000" dirty="0">
+                <a:latin typeface="Courier New" panose="02070309020205020404" pitchFamily="49" charset="0"/>
+                <a:cs typeface="Courier New" panose="02070309020205020404" pitchFamily="49" charset="0"/>
+              </a:rPr>
+              <a:t>15</a:t>
+            </a:r>
+            <a:r>
+              <a:rPr lang="de-DE" dirty="0">
+                <a:latin typeface="Courier New" panose="02070309020205020404" pitchFamily="49" charset="0"/>
+                <a:cs typeface="Courier New" panose="02070309020205020404" pitchFamily="49" charset="0"/>
+              </a:rPr>
+              <a:t> = 65535</a:t>
+            </a:r>
+          </a:p>
+          <a:p>
+            <a:r>
+              <a:rPr lang="de-DE" dirty="0">
+                <a:latin typeface="Courier New" panose="02070309020205020404" pitchFamily="49" charset="0"/>
+                <a:cs typeface="Courier New" panose="02070309020205020404" pitchFamily="49" charset="0"/>
+              </a:rPr>
+              <a:t>1000000000000000 = 2</a:t>
+            </a:r>
+            <a:r>
+              <a:rPr lang="de-DE" baseline="30000" dirty="0">
+                <a:latin typeface="Courier New" panose="02070309020205020404" pitchFamily="49" charset="0"/>
+                <a:cs typeface="Courier New" panose="02070309020205020404" pitchFamily="49" charset="0"/>
+              </a:rPr>
+              <a:t>15</a:t>
+            </a:r>
+            <a:r>
+              <a:rPr lang="de-DE" dirty="0">
+                <a:latin typeface="Courier New" panose="02070309020205020404" pitchFamily="49" charset="0"/>
+                <a:cs typeface="Courier New" panose="02070309020205020404" pitchFamily="49" charset="0"/>
+              </a:rPr>
+              <a:t> = 32768</a:t>
+            </a:r>
+          </a:p>
+          <a:p>
+            <a:r>
+              <a:rPr lang="de-DE" dirty="0">
+                <a:latin typeface="Courier New" panose="02070309020205020404" pitchFamily="49" charset="0"/>
+                <a:cs typeface="Courier New" panose="02070309020205020404" pitchFamily="49" charset="0"/>
+              </a:rPr>
+              <a:t>1000111111111111 = 2</a:t>
+            </a:r>
+            <a:r>
+              <a:rPr lang="de-DE" baseline="30000" dirty="0">
+                <a:latin typeface="Courier New" panose="02070309020205020404" pitchFamily="49" charset="0"/>
+                <a:cs typeface="Courier New" panose="02070309020205020404" pitchFamily="49" charset="0"/>
+              </a:rPr>
+              <a:t>0 </a:t>
+            </a:r>
+            <a:r>
+              <a:rPr lang="de-DE" dirty="0">
+                <a:latin typeface="Courier New" panose="02070309020205020404" pitchFamily="49" charset="0"/>
+                <a:cs typeface="Courier New" panose="02070309020205020404" pitchFamily="49" charset="0"/>
+              </a:rPr>
+              <a:t>+ 2</a:t>
+            </a:r>
+            <a:r>
+              <a:rPr lang="de-DE" baseline="30000" dirty="0">
+                <a:latin typeface="Courier New" panose="02070309020205020404" pitchFamily="49" charset="0"/>
+                <a:cs typeface="Courier New" panose="02070309020205020404" pitchFamily="49" charset="0"/>
+              </a:rPr>
+              <a:t>1</a:t>
+            </a:r>
+            <a:r>
+              <a:rPr lang="de-DE" dirty="0">
+                <a:latin typeface="Courier New" panose="02070309020205020404" pitchFamily="49" charset="0"/>
+                <a:cs typeface="Courier New" panose="02070309020205020404" pitchFamily="49" charset="0"/>
+              </a:rPr>
+              <a:t> + … + 2</a:t>
+            </a:r>
+            <a:r>
+              <a:rPr lang="de-DE" baseline="30000" dirty="0">
+                <a:latin typeface="Courier New" panose="02070309020205020404" pitchFamily="49" charset="0"/>
+                <a:cs typeface="Courier New" panose="02070309020205020404" pitchFamily="49" charset="0"/>
+              </a:rPr>
+              <a:t>11 </a:t>
+            </a:r>
+            <a:r>
+              <a:rPr lang="de-DE" dirty="0">
+                <a:latin typeface="Courier New" panose="02070309020205020404" pitchFamily="49" charset="0"/>
+                <a:cs typeface="Courier New" panose="02070309020205020404" pitchFamily="49" charset="0"/>
+              </a:rPr>
+              <a:t>+ 2</a:t>
+            </a:r>
+            <a:r>
+              <a:rPr lang="de-DE" baseline="30000" dirty="0">
+                <a:latin typeface="Courier New" panose="02070309020205020404" pitchFamily="49" charset="0"/>
+                <a:cs typeface="Courier New" panose="02070309020205020404" pitchFamily="49" charset="0"/>
+              </a:rPr>
+              <a:t>15</a:t>
+            </a:r>
+            <a:r>
+              <a:rPr lang="de-DE" dirty="0">
+                <a:latin typeface="Courier New" panose="02070309020205020404" pitchFamily="49" charset="0"/>
+                <a:cs typeface="Courier New" panose="02070309020205020404" pitchFamily="49" charset="0"/>
+              </a:rPr>
+              <a:t> = 4095 + 32768 = 36863</a:t>
+            </a:r>
+          </a:p>
+          <a:p>
+            <a:r>
+              <a:rPr lang="de-DE" dirty="0">
+                <a:latin typeface="Courier New" panose="02070309020205020404" pitchFamily="49" charset="0"/>
+                <a:cs typeface="Courier New" panose="02070309020205020404" pitchFamily="49" charset="0"/>
+              </a:rPr>
+              <a:t> </a:t>
+            </a:r>
+          </a:p>
+          <a:p>
+            <a:r>
+              <a:rPr lang="de-DE" b="1" dirty="0">
+                <a:latin typeface="Courier New" panose="02070309020205020404" pitchFamily="49" charset="0"/>
+                <a:cs typeface="Courier New" panose="02070309020205020404" pitchFamily="49" charset="0"/>
+              </a:rPr>
+              <a:t>16-bit </a:t>
+            </a:r>
+            <a:r>
+              <a:rPr lang="de-DE" b="1" dirty="0" err="1">
+                <a:latin typeface="Courier New" panose="02070309020205020404" pitchFamily="49" charset="0"/>
+                <a:cs typeface="Courier New" panose="02070309020205020404" pitchFamily="49" charset="0"/>
+              </a:rPr>
+              <a:t>signed</a:t>
+            </a:r>
+            <a:r>
+              <a:rPr lang="de-DE" b="1" dirty="0">
+                <a:latin typeface="Courier New" panose="02070309020205020404" pitchFamily="49" charset="0"/>
+                <a:cs typeface="Courier New" panose="02070309020205020404" pitchFamily="49" charset="0"/>
+              </a:rPr>
+              <a:t> integer</a:t>
+            </a:r>
+          </a:p>
+          <a:p>
+            <a:r>
+              <a:rPr lang="de-DE" dirty="0">
+                <a:solidFill>
+                  <a:schemeClr val="accent2"/>
+                </a:solidFill>
+                <a:latin typeface="Courier New" panose="02070309020205020404" pitchFamily="49" charset="0"/>
+                <a:cs typeface="Courier New" panose="02070309020205020404" pitchFamily="49" charset="0"/>
+              </a:rPr>
+              <a:t>0</a:t>
+            </a:r>
+            <a:r>
+              <a:rPr lang="de-DE" dirty="0">
+                <a:latin typeface="Courier New" panose="02070309020205020404" pitchFamily="49" charset="0"/>
+                <a:cs typeface="Courier New" panose="02070309020205020404" pitchFamily="49" charset="0"/>
+              </a:rPr>
+              <a:t>000000000000000 = </a:t>
+            </a:r>
+            <a:r>
+              <a:rPr lang="de-DE" dirty="0">
+                <a:solidFill>
+                  <a:schemeClr val="accent2"/>
+                </a:solidFill>
+                <a:latin typeface="Courier New" panose="02070309020205020404" pitchFamily="49" charset="0"/>
+                <a:cs typeface="Courier New" panose="02070309020205020404" pitchFamily="49" charset="0"/>
+              </a:rPr>
+              <a:t>+</a:t>
+            </a:r>
+            <a:r>
+              <a:rPr lang="de-DE" dirty="0">
+                <a:latin typeface="Courier New" panose="02070309020205020404" pitchFamily="49" charset="0"/>
+                <a:cs typeface="Courier New" panose="02070309020205020404" pitchFamily="49" charset="0"/>
+              </a:rPr>
+              <a:t>0</a:t>
+            </a:r>
+          </a:p>
+          <a:p>
+            <a:r>
+              <a:rPr lang="de-DE" dirty="0">
+                <a:solidFill>
+                  <a:schemeClr val="accent2"/>
+                </a:solidFill>
+                <a:latin typeface="Courier New" panose="02070309020205020404" pitchFamily="49" charset="0"/>
+                <a:cs typeface="Courier New" panose="02070309020205020404" pitchFamily="49" charset="0"/>
+              </a:rPr>
+              <a:t>1</a:t>
+            </a:r>
+            <a:r>
+              <a:rPr lang="de-DE" dirty="0">
+                <a:latin typeface="Courier New" panose="02070309020205020404" pitchFamily="49" charset="0"/>
+                <a:cs typeface="Courier New" panose="02070309020205020404" pitchFamily="49" charset="0"/>
+              </a:rPr>
+              <a:t>000000000000000 = </a:t>
+            </a:r>
+            <a:r>
+              <a:rPr lang="de-DE" dirty="0">
+                <a:solidFill>
+                  <a:schemeClr val="accent2"/>
+                </a:solidFill>
+                <a:latin typeface="Courier New" panose="02070309020205020404" pitchFamily="49" charset="0"/>
+                <a:cs typeface="Courier New" panose="02070309020205020404" pitchFamily="49" charset="0"/>
+              </a:rPr>
+              <a:t>-</a:t>
+            </a:r>
+            <a:r>
+              <a:rPr lang="de-DE" dirty="0">
+                <a:latin typeface="Courier New" panose="02070309020205020404" pitchFamily="49" charset="0"/>
+                <a:cs typeface="Courier New" panose="02070309020205020404" pitchFamily="49" charset="0"/>
+              </a:rPr>
+              <a:t>0</a:t>
+            </a:r>
+          </a:p>
+          <a:p>
+            <a:r>
+              <a:rPr lang="de-DE" dirty="0">
+                <a:solidFill>
+                  <a:schemeClr val="accent2"/>
+                </a:solidFill>
+                <a:latin typeface="Courier New" panose="02070309020205020404" pitchFamily="49" charset="0"/>
+                <a:cs typeface="Courier New" panose="02070309020205020404" pitchFamily="49" charset="0"/>
+              </a:rPr>
+              <a:t>1</a:t>
+            </a:r>
+            <a:r>
+              <a:rPr lang="de-DE" dirty="0">
+                <a:latin typeface="Courier New" panose="02070309020205020404" pitchFamily="49" charset="0"/>
+                <a:cs typeface="Courier New" panose="02070309020205020404" pitchFamily="49" charset="0"/>
+              </a:rPr>
+              <a:t>000000000000100 = </a:t>
+            </a:r>
+            <a:r>
+              <a:rPr lang="de-DE" dirty="0">
+                <a:solidFill>
+                  <a:schemeClr val="accent2"/>
+                </a:solidFill>
+                <a:latin typeface="Courier New" panose="02070309020205020404" pitchFamily="49" charset="0"/>
+                <a:cs typeface="Courier New" panose="02070309020205020404" pitchFamily="49" charset="0"/>
+              </a:rPr>
+              <a:t>-</a:t>
+            </a:r>
+            <a:r>
+              <a:rPr lang="de-DE" dirty="0">
+                <a:latin typeface="Courier New" panose="02070309020205020404" pitchFamily="49" charset="0"/>
+                <a:cs typeface="Courier New" panose="02070309020205020404" pitchFamily="49" charset="0"/>
+              </a:rPr>
+              <a:t>4</a:t>
+            </a:r>
+          </a:p>
+          <a:p>
+            <a:endParaRPr lang="de-DE" dirty="0">
+              <a:latin typeface="Courier New" panose="02070309020205020404" pitchFamily="49" charset="0"/>
+              <a:cs typeface="Courier New" panose="02070309020205020404" pitchFamily="49" charset="0"/>
+            </a:endParaRPr>
+          </a:p>
+          <a:p>
+            <a:r>
+              <a:rPr lang="de-DE" b="1" dirty="0">
+                <a:latin typeface="Courier New" panose="02070309020205020404" pitchFamily="49" charset="0"/>
+                <a:cs typeface="Courier New" panose="02070309020205020404" pitchFamily="49" charset="0"/>
+              </a:rPr>
+              <a:t>32-bit </a:t>
+            </a:r>
+            <a:r>
+              <a:rPr lang="de-DE" b="1" dirty="0" err="1">
+                <a:latin typeface="Courier New" panose="02070309020205020404" pitchFamily="49" charset="0"/>
+                <a:cs typeface="Courier New" panose="02070309020205020404" pitchFamily="49" charset="0"/>
+              </a:rPr>
+              <a:t>floating</a:t>
+            </a:r>
+            <a:r>
+              <a:rPr lang="de-DE" b="1" dirty="0">
+                <a:latin typeface="Courier New" panose="02070309020205020404" pitchFamily="49" charset="0"/>
+                <a:cs typeface="Courier New" panose="02070309020205020404" pitchFamily="49" charset="0"/>
+              </a:rPr>
+              <a:t> </a:t>
+            </a:r>
+            <a:r>
+              <a:rPr lang="de-DE" b="1" dirty="0" err="1">
+                <a:latin typeface="Courier New" panose="02070309020205020404" pitchFamily="49" charset="0"/>
+                <a:cs typeface="Courier New" panose="02070309020205020404" pitchFamily="49" charset="0"/>
+              </a:rPr>
+              <a:t>point</a:t>
+            </a:r>
+            <a:endParaRPr lang="de-DE" b="1" dirty="0">
+              <a:latin typeface="Courier New" panose="02070309020205020404" pitchFamily="49" charset="0"/>
+              <a:cs typeface="Courier New" panose="02070309020205020404" pitchFamily="49" charset="0"/>
+            </a:endParaRPr>
+          </a:p>
+          <a:p>
+            <a:r>
+              <a:rPr lang="de-DE" dirty="0">
+                <a:solidFill>
+                  <a:schemeClr val="accent2"/>
+                </a:solidFill>
+                <a:latin typeface="Courier New" panose="02070309020205020404" pitchFamily="49" charset="0"/>
+                <a:cs typeface="Courier New" panose="02070309020205020404" pitchFamily="49" charset="0"/>
+              </a:rPr>
+              <a:t>1</a:t>
+            </a:r>
+            <a:r>
+              <a:rPr lang="de-DE" dirty="0">
+                <a:solidFill>
+                  <a:schemeClr val="accent1"/>
+                </a:solidFill>
+                <a:latin typeface="Courier New" panose="02070309020205020404" pitchFamily="49" charset="0"/>
+                <a:cs typeface="Courier New" panose="02070309020205020404" pitchFamily="49" charset="0"/>
+              </a:rPr>
+              <a:t>00000010</a:t>
+            </a:r>
+            <a:r>
+              <a:rPr lang="de-DE" dirty="0">
+                <a:latin typeface="Courier New" panose="02070309020205020404" pitchFamily="49" charset="0"/>
+                <a:cs typeface="Courier New" panose="02070309020205020404" pitchFamily="49" charset="0"/>
+              </a:rPr>
+              <a:t>00000000000000000000010 = </a:t>
+            </a:r>
+            <a:r>
+              <a:rPr lang="de-DE" dirty="0">
+                <a:solidFill>
+                  <a:schemeClr val="accent2"/>
+                </a:solidFill>
+                <a:latin typeface="Courier New" panose="02070309020205020404" pitchFamily="49" charset="0"/>
+                <a:cs typeface="Courier New" panose="02070309020205020404" pitchFamily="49" charset="0"/>
+              </a:rPr>
+              <a:t>- </a:t>
+            </a:r>
+            <a:r>
+              <a:rPr lang="de-DE" dirty="0">
+                <a:latin typeface="Courier New" panose="02070309020205020404" pitchFamily="49" charset="0"/>
+                <a:cs typeface="Courier New" panose="02070309020205020404" pitchFamily="49" charset="0"/>
+              </a:rPr>
+              <a:t>1.?</a:t>
+            </a:r>
+            <a:r>
+              <a:rPr lang="de-DE" dirty="0">
+                <a:solidFill>
+                  <a:schemeClr val="accent2"/>
+                </a:solidFill>
+                <a:latin typeface="Courier New" panose="02070309020205020404" pitchFamily="49" charset="0"/>
+                <a:cs typeface="Courier New" panose="02070309020205020404" pitchFamily="49" charset="0"/>
+              </a:rPr>
+              <a:t> </a:t>
+            </a:r>
+            <a:r>
+              <a:rPr lang="de-DE" dirty="0">
+                <a:solidFill>
+                  <a:schemeClr val="accent1"/>
+                </a:solidFill>
+                <a:latin typeface="Courier New" panose="02070309020205020404" pitchFamily="49" charset="0"/>
+                <a:cs typeface="Courier New" panose="02070309020205020404" pitchFamily="49" charset="0"/>
+              </a:rPr>
+              <a:t>2</a:t>
+            </a:r>
+            <a:r>
+              <a:rPr lang="de-DE" baseline="30000" dirty="0">
+                <a:solidFill>
+                  <a:schemeClr val="accent1"/>
+                </a:solidFill>
+                <a:latin typeface="Courier New" panose="02070309020205020404" pitchFamily="49" charset="0"/>
+                <a:cs typeface="Courier New" panose="02070309020205020404" pitchFamily="49" charset="0"/>
+              </a:rPr>
+              <a:t>?</a:t>
+            </a:r>
+          </a:p>
+          <a:p>
+            <a:endParaRPr lang="de-DE" dirty="0">
+              <a:latin typeface="Courier New" panose="02070309020205020404" pitchFamily="49" charset="0"/>
+              <a:cs typeface="Courier New" panose="02070309020205020404" pitchFamily="49" charset="0"/>
+            </a:endParaRPr>
+          </a:p>
+          <a:p>
+            <a:endParaRPr lang="de-DE" dirty="0">
+              <a:latin typeface="Courier New" panose="02070309020205020404" pitchFamily="49" charset="0"/>
+              <a:cs typeface="Courier New" panose="02070309020205020404" pitchFamily="49" charset="0"/>
+            </a:endParaRPr>
+          </a:p>
+          <a:p>
+            <a:endParaRPr lang="de-DE" dirty="0">
+              <a:latin typeface="Courier New" panose="02070309020205020404" pitchFamily="49" charset="0"/>
+              <a:cs typeface="Courier New" panose="02070309020205020404" pitchFamily="49" charset="0"/>
+            </a:endParaRPr>
+          </a:p>
+        </p:txBody>
+      </p:sp>
+    </p:spTree>
+    <p:extLst>
+      <p:ext uri="{BB962C8B-B14F-4D97-AF65-F5344CB8AC3E}">
+        <p14:creationId xmlns:p14="http://schemas.microsoft.com/office/powerpoint/2010/main" val="840359927"/>
       </p:ext>
     </p:extLst>
   </p:cSld>

--- a/figures/resources/data_types.pptx
+++ b/figures/resources/data_types.pptx
@@ -4851,7 +4851,7 @@
                 <a:latin typeface="Courier New" panose="02070309020205020404" pitchFamily="49" charset="0"/>
                 <a:cs typeface="Courier New" panose="02070309020205020404" pitchFamily="49" charset="0"/>
               </a:rPr>
-              <a:t>1000111111111111 = 2</a:t>
+              <a:t>0000111111111111 = 2</a:t>
             </a:r>
             <a:r>
               <a:rPr lang="de-DE" baseline="30000" dirty="0">
@@ -4889,16 +4889,12 @@
               <a:t>11 </a:t>
             </a:r>
             <a:r>
-              <a:rPr lang="de-DE">
+              <a:rPr lang="de-DE" dirty="0">
                 <a:latin typeface="Courier New" panose="02070309020205020404" pitchFamily="49" charset="0"/>
                 <a:cs typeface="Courier New" panose="02070309020205020404" pitchFamily="49" charset="0"/>
               </a:rPr>
               <a:t>= 4095</a:t>
             </a:r>
-            <a:endParaRPr lang="de-DE" dirty="0">
-              <a:latin typeface="Courier New" panose="02070309020205020404" pitchFamily="49" charset="0"/>
-              <a:cs typeface="Courier New" panose="02070309020205020404" pitchFamily="49" charset="0"/>
-            </a:endParaRPr>
           </a:p>
           <a:p>
             <a:r>

--- a/figures/resources/data_types.pptx
+++ b/figures/resources/data_types.pptx
@@ -200,7 +200,7 @@
           <a:p>
             <a:fld id="{922FCDE8-9265-274C-B63C-E407950C8DE1}" type="datetimeFigureOut">
               <a:rPr lang="de-DE" smtClean="0"/>
-              <a:t>22.01.21</a:t>
+              <a:t>28.04.25</a:t>
             </a:fld>
             <a:endParaRPr lang="de-DE"/>
           </a:p>
@@ -835,7 +835,7 @@
           <a:p>
             <a:fld id="{747B7DA0-53A4-8447-B8D4-5B08E7A75C15}" type="datetimeFigureOut">
               <a:rPr lang="de-DE" smtClean="0"/>
-              <a:t>22.01.21</a:t>
+              <a:t>28.04.25</a:t>
             </a:fld>
             <a:endParaRPr lang="de-DE"/>
           </a:p>
@@ -1035,7 +1035,7 @@
           <a:p>
             <a:fld id="{747B7DA0-53A4-8447-B8D4-5B08E7A75C15}" type="datetimeFigureOut">
               <a:rPr lang="de-DE" smtClean="0"/>
-              <a:t>22.01.21</a:t>
+              <a:t>28.04.25</a:t>
             </a:fld>
             <a:endParaRPr lang="de-DE"/>
           </a:p>
@@ -1245,7 +1245,7 @@
           <a:p>
             <a:fld id="{747B7DA0-53A4-8447-B8D4-5B08E7A75C15}" type="datetimeFigureOut">
               <a:rPr lang="de-DE" smtClean="0"/>
-              <a:t>22.01.21</a:t>
+              <a:t>28.04.25</a:t>
             </a:fld>
             <a:endParaRPr lang="de-DE"/>
           </a:p>
@@ -2055,7 +2055,7 @@
           <a:p>
             <a:fld id="{747B7DA0-53A4-8447-B8D4-5B08E7A75C15}" type="datetimeFigureOut">
               <a:rPr lang="de-DE" smtClean="0"/>
-              <a:t>22.01.21</a:t>
+              <a:t>28.04.25</a:t>
             </a:fld>
             <a:endParaRPr lang="de-DE"/>
           </a:p>
@@ -2331,7 +2331,7 @@
           <a:p>
             <a:fld id="{747B7DA0-53A4-8447-B8D4-5B08E7A75C15}" type="datetimeFigureOut">
               <a:rPr lang="de-DE" smtClean="0"/>
-              <a:t>22.01.21</a:t>
+              <a:t>28.04.25</a:t>
             </a:fld>
             <a:endParaRPr lang="de-DE"/>
           </a:p>
@@ -2599,7 +2599,7 @@
           <a:p>
             <a:fld id="{747B7DA0-53A4-8447-B8D4-5B08E7A75C15}" type="datetimeFigureOut">
               <a:rPr lang="de-DE" smtClean="0"/>
-              <a:t>22.01.21</a:t>
+              <a:t>28.04.25</a:t>
             </a:fld>
             <a:endParaRPr lang="de-DE"/>
           </a:p>
@@ -3014,7 +3014,7 @@
           <a:p>
             <a:fld id="{747B7DA0-53A4-8447-B8D4-5B08E7A75C15}" type="datetimeFigureOut">
               <a:rPr lang="de-DE" smtClean="0"/>
-              <a:t>22.01.21</a:t>
+              <a:t>28.04.25</a:t>
             </a:fld>
             <a:endParaRPr lang="de-DE"/>
           </a:p>
@@ -3156,7 +3156,7 @@
           <a:p>
             <a:fld id="{747B7DA0-53A4-8447-B8D4-5B08E7A75C15}" type="datetimeFigureOut">
               <a:rPr lang="de-DE" smtClean="0"/>
-              <a:t>22.01.21</a:t>
+              <a:t>28.04.25</a:t>
             </a:fld>
             <a:endParaRPr lang="de-DE"/>
           </a:p>
@@ -3269,7 +3269,7 @@
           <a:p>
             <a:fld id="{747B7DA0-53A4-8447-B8D4-5B08E7A75C15}" type="datetimeFigureOut">
               <a:rPr lang="de-DE" smtClean="0"/>
-              <a:t>22.01.21</a:t>
+              <a:t>28.04.25</a:t>
             </a:fld>
             <a:endParaRPr lang="de-DE"/>
           </a:p>
@@ -3582,7 +3582,7 @@
           <a:p>
             <a:fld id="{747B7DA0-53A4-8447-B8D4-5B08E7A75C15}" type="datetimeFigureOut">
               <a:rPr lang="de-DE" smtClean="0"/>
-              <a:t>22.01.21</a:t>
+              <a:t>28.04.25</a:t>
             </a:fld>
             <a:endParaRPr lang="de-DE"/>
           </a:p>
@@ -3871,7 +3871,7 @@
           <a:p>
             <a:fld id="{747B7DA0-53A4-8447-B8D4-5B08E7A75C15}" type="datetimeFigureOut">
               <a:rPr lang="de-DE" smtClean="0"/>
-              <a:t>22.01.21</a:t>
+              <a:t>28.04.25</a:t>
             </a:fld>
             <a:endParaRPr lang="de-DE"/>
           </a:p>
@@ -4114,7 +4114,7 @@
           <a:p>
             <a:fld id="{747B7DA0-53A4-8447-B8D4-5B08E7A75C15}" type="datetimeFigureOut">
               <a:rPr lang="de-DE" smtClean="0"/>
-              <a:t>22.01.21</a:t>
+              <a:t>28.04.25</a:t>
             </a:fld>
             <a:endParaRPr lang="de-DE"/>
           </a:p>
@@ -4534,60 +4534,20 @@
       </p:grpSpPr>
       <p:sp>
         <p:nvSpPr>
-          <p:cNvPr id="137" name="Google Shape;137;p18"/>
-          <p:cNvSpPr txBox="1">
-            <a:spLocks noGrp="1"/>
-          </p:cNvSpPr>
-          <p:nvPr>
-            <p:ph type="title"/>
-          </p:nvPr>
+          <p:cNvPr id="2" name="TextBox 1">
+            <a:extLst>
+              <a:ext uri="{FF2B5EF4-FFF2-40B4-BE49-F238E27FC236}">
+                <a16:creationId xmlns:a16="http://schemas.microsoft.com/office/drawing/2014/main" id="{1EA846E5-3D55-F441-907F-420B2B28B907}"/>
+              </a:ext>
+            </a:extLst>
+          </p:cNvPr>
+          <p:cNvSpPr txBox="1"/>
+          <p:nvPr/>
         </p:nvSpPr>
         <p:spPr>
           <a:xfrm>
-            <a:off x="2716081" y="129156"/>
-            <a:ext cx="6804837" cy="763650"/>
-          </a:xfrm>
-          <a:prstGeom prst="rect">
-            <a:avLst/>
-          </a:prstGeom>
-          <a:noFill/>
-          <a:ln>
-            <a:noFill/>
-          </a:ln>
-        </p:spPr>
-        <p:txBody>
-          <a:bodyPr spcFirstLastPara="1" vert="horz" wrap="square" lIns="121888" tIns="121888" rIns="121888" bIns="121888" rtlCol="0" anchor="t" anchorCtr="0">
-            <a:noAutofit/>
-          </a:bodyPr>
-          <a:lstStyle/>
-          <a:p>
-            <a:pPr algn="ctr">
-              <a:buSzPts val="5800"/>
-            </a:pPr>
-            <a:r>
-              <a:rPr lang="en-US" sz="3300" dirty="0"/>
-              <a:t>Data types</a:t>
-            </a:r>
-            <a:endParaRPr dirty="0"/>
-          </a:p>
-        </p:txBody>
-      </p:sp>
-      <p:sp>
-        <p:nvSpPr>
-          <p:cNvPr id="2" name="TextBox 1">
-            <a:extLst>
-              <a:ext uri="{FF2B5EF4-FFF2-40B4-BE49-F238E27FC236}">
-                <a16:creationId xmlns:a16="http://schemas.microsoft.com/office/drawing/2014/main" id="{1EA846E5-3D55-F441-907F-420B2B28B907}"/>
-              </a:ext>
-            </a:extLst>
-          </p:cNvPr>
-          <p:cNvSpPr txBox="1"/>
-          <p:nvPr/>
-        </p:nvSpPr>
-        <p:spPr>
-          <a:xfrm>
-            <a:off x="2460900" y="1197430"/>
-            <a:ext cx="9001758" cy="5909310"/>
+            <a:off x="2121853" y="365223"/>
+            <a:ext cx="9001758" cy="6463308"/>
           </a:xfrm>
           <a:prstGeom prst="rect">
             <a:avLst/>
@@ -5154,6 +5114,116 @@
           </a:p>
           <a:p>
             <a:endParaRPr lang="de-DE" dirty="0">
+              <a:latin typeface="Courier New" panose="02070309020205020404" pitchFamily="49" charset="0"/>
+              <a:cs typeface="Courier New" panose="02070309020205020404" pitchFamily="49" charset="0"/>
+            </a:endParaRPr>
+          </a:p>
+          <a:p>
+            <a:r>
+              <a:rPr lang="de-DE" b="1">
+                <a:latin typeface="Courier New" panose="02070309020205020404" pitchFamily="49" charset="0"/>
+                <a:cs typeface="Courier New" panose="02070309020205020404" pitchFamily="49" charset="0"/>
+              </a:rPr>
+              <a:t>24-bit RGB</a:t>
+            </a:r>
+            <a:endParaRPr lang="de-DE" b="1" dirty="0">
+              <a:latin typeface="Courier New" panose="02070309020205020404" pitchFamily="49" charset="0"/>
+              <a:cs typeface="Courier New" panose="02070309020205020404" pitchFamily="49" charset="0"/>
+            </a:endParaRPr>
+          </a:p>
+          <a:p>
+            <a:r>
+              <a:rPr lang="de-DE" dirty="0">
+                <a:solidFill>
+                  <a:srgbClr val="FF0000"/>
+                </a:solidFill>
+                <a:latin typeface="Courier New" panose="02070309020205020404" pitchFamily="49" charset="0"/>
+                <a:cs typeface="Courier New" panose="02070309020205020404" pitchFamily="49" charset="0"/>
+              </a:rPr>
+              <a:t>11111111</a:t>
+            </a:r>
+            <a:r>
+              <a:rPr lang="de-DE" dirty="0">
+                <a:solidFill>
+                  <a:srgbClr val="00B050"/>
+                </a:solidFill>
+                <a:latin typeface="Courier New" panose="02070309020205020404" pitchFamily="49" charset="0"/>
+                <a:cs typeface="Courier New" panose="02070309020205020404" pitchFamily="49" charset="0"/>
+              </a:rPr>
+              <a:t>00000000</a:t>
+            </a:r>
+            <a:r>
+              <a:rPr lang="de-DE" dirty="0">
+                <a:solidFill>
+                  <a:srgbClr val="0070C0"/>
+                </a:solidFill>
+                <a:latin typeface="Courier New" panose="02070309020205020404" pitchFamily="49" charset="0"/>
+                <a:cs typeface="Courier New" panose="02070309020205020404" pitchFamily="49" charset="0"/>
+              </a:rPr>
+              <a:t>01000000 </a:t>
+            </a:r>
+            <a:r>
+              <a:rPr lang="de-DE" dirty="0">
+                <a:latin typeface="Courier New" panose="02070309020205020404" pitchFamily="49" charset="0"/>
+                <a:cs typeface="Courier New" panose="02070309020205020404" pitchFamily="49" charset="0"/>
+              </a:rPr>
+              <a:t>= (</a:t>
+            </a:r>
+            <a:r>
+              <a:rPr lang="de-DE" dirty="0">
+                <a:solidFill>
+                  <a:srgbClr val="FF0000"/>
+                </a:solidFill>
+                <a:latin typeface="Courier New" panose="02070309020205020404" pitchFamily="49" charset="0"/>
+                <a:cs typeface="Courier New" panose="02070309020205020404" pitchFamily="49" charset="0"/>
+              </a:rPr>
+              <a:t>255</a:t>
+            </a:r>
+            <a:r>
+              <a:rPr lang="de-DE" dirty="0">
+                <a:latin typeface="Courier New" panose="02070309020205020404" pitchFamily="49" charset="0"/>
+                <a:cs typeface="Courier New" panose="02070309020205020404" pitchFamily="49" charset="0"/>
+              </a:rPr>
+              <a:t>,</a:t>
+            </a:r>
+            <a:r>
+              <a:rPr lang="de-DE" dirty="0">
+                <a:solidFill>
+                  <a:srgbClr val="00B050"/>
+                </a:solidFill>
+                <a:latin typeface="Courier New" panose="02070309020205020404" pitchFamily="49" charset="0"/>
+                <a:cs typeface="Courier New" panose="02070309020205020404" pitchFamily="49" charset="0"/>
+              </a:rPr>
+              <a:t>0</a:t>
+            </a:r>
+            <a:r>
+              <a:rPr lang="de-DE" dirty="0">
+                <a:latin typeface="Courier New" panose="02070309020205020404" pitchFamily="49" charset="0"/>
+                <a:cs typeface="Courier New" panose="02070309020205020404" pitchFamily="49" charset="0"/>
+              </a:rPr>
+              <a:t>,</a:t>
+            </a:r>
+            <a:r>
+              <a:rPr lang="de-DE" dirty="0">
+                <a:solidFill>
+                  <a:srgbClr val="0070C0"/>
+                </a:solidFill>
+                <a:latin typeface="Courier New" panose="02070309020205020404" pitchFamily="49" charset="0"/>
+                <a:cs typeface="Courier New" panose="02070309020205020404" pitchFamily="49" charset="0"/>
+              </a:rPr>
+              <a:t>64</a:t>
+            </a:r>
+            <a:r>
+              <a:rPr lang="de-DE" dirty="0">
+                <a:latin typeface="Courier New" panose="02070309020205020404" pitchFamily="49" charset="0"/>
+                <a:cs typeface="Courier New" panose="02070309020205020404" pitchFamily="49" charset="0"/>
+              </a:rPr>
+              <a:t>)</a:t>
+            </a:r>
+            <a:endParaRPr lang="de-DE" dirty="0">
+              <a:solidFill>
+                <a:srgbClr val="0070C0"/>
+              </a:solidFill>
               <a:latin typeface="Courier New" panose="02070309020205020404" pitchFamily="49" charset="0"/>
               <a:cs typeface="Courier New" panose="02070309020205020404" pitchFamily="49" charset="0"/>
             </a:endParaRPr>
